--- a/Week4/Notes/Week 4.pptx
+++ b/Week4/Notes/Week 4.pptx
@@ -209,7 +209,7 @@
           <a:p>
             <a:fld id="{D99A195D-83E5-4BD5-9122-2D1382EDA833}" type="datetimeFigureOut">
               <a:rPr lang="en-US" smtClean="0"/>
-              <a:t>7/1/2023</a:t>
+              <a:t>9/20/2023</a:t>
             </a:fld>
             <a:endParaRPr lang="en-US"/>
           </a:p>
@@ -905,7 +905,7 @@
           <a:p>
             <a:fld id="{0DE08F42-01B9-4DF1-91DA-AE7F61520A76}" type="datetimeFigureOut">
               <a:rPr lang="en-US" smtClean="0"/>
-              <a:t>7/1/2023</a:t>
+              <a:t>9/20/2023</a:t>
             </a:fld>
             <a:endParaRPr lang="en-US"/>
           </a:p>
@@ -1103,7 +1103,7 @@
           <a:p>
             <a:fld id="{0DE08F42-01B9-4DF1-91DA-AE7F61520A76}" type="datetimeFigureOut">
               <a:rPr lang="en-US" smtClean="0"/>
-              <a:t>7/1/2023</a:t>
+              <a:t>9/20/2023</a:t>
             </a:fld>
             <a:endParaRPr lang="en-US"/>
           </a:p>
@@ -1311,7 +1311,7 @@
           <a:p>
             <a:fld id="{0DE08F42-01B9-4DF1-91DA-AE7F61520A76}" type="datetimeFigureOut">
               <a:rPr lang="en-US" smtClean="0"/>
-              <a:t>7/1/2023</a:t>
+              <a:t>9/20/2023</a:t>
             </a:fld>
             <a:endParaRPr lang="en-US"/>
           </a:p>
@@ -1509,7 +1509,7 @@
           <a:p>
             <a:fld id="{0DE08F42-01B9-4DF1-91DA-AE7F61520A76}" type="datetimeFigureOut">
               <a:rPr lang="en-US" smtClean="0"/>
-              <a:t>7/1/2023</a:t>
+              <a:t>9/20/2023</a:t>
             </a:fld>
             <a:endParaRPr lang="en-US"/>
           </a:p>
@@ -1784,7 +1784,7 @@
           <a:p>
             <a:fld id="{0DE08F42-01B9-4DF1-91DA-AE7F61520A76}" type="datetimeFigureOut">
               <a:rPr lang="en-US" smtClean="0"/>
-              <a:t>7/1/2023</a:t>
+              <a:t>9/20/2023</a:t>
             </a:fld>
             <a:endParaRPr lang="en-US"/>
           </a:p>
@@ -2049,7 +2049,7 @@
           <a:p>
             <a:fld id="{0DE08F42-01B9-4DF1-91DA-AE7F61520A76}" type="datetimeFigureOut">
               <a:rPr lang="en-US" smtClean="0"/>
-              <a:t>7/1/2023</a:t>
+              <a:t>9/20/2023</a:t>
             </a:fld>
             <a:endParaRPr lang="en-US"/>
           </a:p>
@@ -2461,7 +2461,7 @@
           <a:p>
             <a:fld id="{0DE08F42-01B9-4DF1-91DA-AE7F61520A76}" type="datetimeFigureOut">
               <a:rPr lang="en-US" smtClean="0"/>
-              <a:t>7/1/2023</a:t>
+              <a:t>9/20/2023</a:t>
             </a:fld>
             <a:endParaRPr lang="en-US"/>
           </a:p>
@@ -2602,7 +2602,7 @@
           <a:p>
             <a:fld id="{0DE08F42-01B9-4DF1-91DA-AE7F61520A76}" type="datetimeFigureOut">
               <a:rPr lang="en-US" smtClean="0"/>
-              <a:t>7/1/2023</a:t>
+              <a:t>9/20/2023</a:t>
             </a:fld>
             <a:endParaRPr lang="en-US"/>
           </a:p>
@@ -2715,7 +2715,7 @@
           <a:p>
             <a:fld id="{0DE08F42-01B9-4DF1-91DA-AE7F61520A76}" type="datetimeFigureOut">
               <a:rPr lang="en-US" smtClean="0"/>
-              <a:t>7/1/2023</a:t>
+              <a:t>9/20/2023</a:t>
             </a:fld>
             <a:endParaRPr lang="en-US"/>
           </a:p>
@@ -3026,7 +3026,7 @@
           <a:p>
             <a:fld id="{0DE08F42-01B9-4DF1-91DA-AE7F61520A76}" type="datetimeFigureOut">
               <a:rPr lang="en-US" smtClean="0"/>
-              <a:t>7/1/2023</a:t>
+              <a:t>9/20/2023</a:t>
             </a:fld>
             <a:endParaRPr lang="en-US"/>
           </a:p>
@@ -3314,7 +3314,7 @@
           <a:p>
             <a:fld id="{0DE08F42-01B9-4DF1-91DA-AE7F61520A76}" type="datetimeFigureOut">
               <a:rPr lang="en-US" smtClean="0"/>
-              <a:t>7/1/2023</a:t>
+              <a:t>9/20/2023</a:t>
             </a:fld>
             <a:endParaRPr lang="en-US"/>
           </a:p>
@@ -3555,7 +3555,7 @@
           <a:p>
             <a:fld id="{0DE08F42-01B9-4DF1-91DA-AE7F61520A76}" type="datetimeFigureOut">
               <a:rPr lang="en-US" smtClean="0"/>
-              <a:t>7/1/2023</a:t>
+              <a:t>9/20/2023</a:t>
             </a:fld>
             <a:endParaRPr lang="en-US"/>
           </a:p>
@@ -4266,7 +4266,7 @@
             </a:pPr>
             <a:r>
               <a:rPr lang="en-US" dirty="0"/>
-              <a:t>	FROM EMPLOYEE E, EMPLOYEE M, DEPARTMENT D</a:t>
+              <a:t>	FROM EMPLOYEE E, MANAGER M, DEPARTMENT D</a:t>
             </a:r>
           </a:p>
           <a:p>
@@ -5189,16 +5189,7 @@
             </a:pPr>
             <a:r>
               <a:rPr lang="en-US" dirty="0"/>
-              <a:t>	 WHERE gender = “M”)</a:t>
-            </a:r>
-          </a:p>
-          <a:p>
-            <a:pPr marL="0" indent="0">
-              <a:buNone/>
-            </a:pPr>
-            <a:r>
-              <a:rPr lang="en-US" dirty="0"/>
-              <a:t>SELECT </a:t>
+              <a:t>	 WHERE gender = “M”) SELECT </a:t>
             </a:r>
             <a:r>
               <a:rPr lang="en-US" dirty="0" err="1"/>
@@ -5226,7 +5217,7 @@
             </a:pPr>
             <a:r>
               <a:rPr lang="en-US" dirty="0"/>
-              <a:t>FROM employees E</a:t>
+              <a:t>FROM employees e</a:t>
             </a:r>
           </a:p>
           <a:p>
@@ -5239,7 +5230,7 @@
             </a:r>
             <a:r>
               <a:rPr lang="en-US" dirty="0" err="1"/>
-              <a:t>E.employee_ssn</a:t>
+              <a:t>e.employee_ssn</a:t>
             </a:r>
             <a:r>
               <a:rPr lang="en-US" dirty="0"/>
@@ -5947,7 +5938,7 @@
         </p:blipFill>
         <p:spPr>
           <a:xfrm>
-            <a:off x="10154178" y="819150"/>
+            <a:off x="10028672" y="417185"/>
             <a:ext cx="1704975" cy="5524500"/>
           </a:xfrm>
           <a:prstGeom prst="rect">
